--- a/docs/songs/shout to the lord.pptx
+++ b/docs/songs/shout to the lord.pptx
@@ -308,7 +308,7 @@
             <a:fld id="{26EA1CF3-4A15-4CBF-9A5A-6A56C368BE71}" type="datetimeFigureOut">
               <a:rPr lang="en-GB" smtClean="0"/>
               <a:pPr/>
-              <a:t>03/10/2022</a:t>
+              <a:t>30/03/2025</a:t>
             </a:fld>
             <a:endParaRPr lang="en-GB"/>
           </a:p>
@@ -475,7 +475,7 @@
             <a:fld id="{26EA1CF3-4A15-4CBF-9A5A-6A56C368BE71}" type="datetimeFigureOut">
               <a:rPr lang="en-GB" smtClean="0"/>
               <a:pPr/>
-              <a:t>03/10/2022</a:t>
+              <a:t>30/03/2025</a:t>
             </a:fld>
             <a:endParaRPr lang="en-GB"/>
           </a:p>
@@ -652,7 +652,7 @@
             <a:fld id="{26EA1CF3-4A15-4CBF-9A5A-6A56C368BE71}" type="datetimeFigureOut">
               <a:rPr lang="en-GB" smtClean="0"/>
               <a:pPr/>
-              <a:t>03/10/2022</a:t>
+              <a:t>30/03/2025</a:t>
             </a:fld>
             <a:endParaRPr lang="en-GB"/>
           </a:p>
@@ -819,7 +819,7 @@
             <a:fld id="{26EA1CF3-4A15-4CBF-9A5A-6A56C368BE71}" type="datetimeFigureOut">
               <a:rPr lang="en-GB" smtClean="0"/>
               <a:pPr/>
-              <a:t>03/10/2022</a:t>
+              <a:t>30/03/2025</a:t>
             </a:fld>
             <a:endParaRPr lang="en-GB"/>
           </a:p>
@@ -1062,7 +1062,7 @@
             <a:fld id="{26EA1CF3-4A15-4CBF-9A5A-6A56C368BE71}" type="datetimeFigureOut">
               <a:rPr lang="en-GB" smtClean="0"/>
               <a:pPr/>
-              <a:t>03/10/2022</a:t>
+              <a:t>30/03/2025</a:t>
             </a:fld>
             <a:endParaRPr lang="en-GB"/>
           </a:p>
@@ -1347,7 +1347,7 @@
             <a:fld id="{26EA1CF3-4A15-4CBF-9A5A-6A56C368BE71}" type="datetimeFigureOut">
               <a:rPr lang="en-GB" smtClean="0"/>
               <a:pPr/>
-              <a:t>03/10/2022</a:t>
+              <a:t>30/03/2025</a:t>
             </a:fld>
             <a:endParaRPr lang="en-GB"/>
           </a:p>
@@ -1766,7 +1766,7 @@
             <a:fld id="{26EA1CF3-4A15-4CBF-9A5A-6A56C368BE71}" type="datetimeFigureOut">
               <a:rPr lang="en-GB" smtClean="0"/>
               <a:pPr/>
-              <a:t>03/10/2022</a:t>
+              <a:t>30/03/2025</a:t>
             </a:fld>
             <a:endParaRPr lang="en-GB"/>
           </a:p>
@@ -1881,7 +1881,7 @@
             <a:fld id="{26EA1CF3-4A15-4CBF-9A5A-6A56C368BE71}" type="datetimeFigureOut">
               <a:rPr lang="en-GB" smtClean="0"/>
               <a:pPr/>
-              <a:t>03/10/2022</a:t>
+              <a:t>30/03/2025</a:t>
             </a:fld>
             <a:endParaRPr lang="en-GB"/>
           </a:p>
@@ -1973,7 +1973,7 @@
             <a:fld id="{26EA1CF3-4A15-4CBF-9A5A-6A56C368BE71}" type="datetimeFigureOut">
               <a:rPr lang="en-GB" smtClean="0"/>
               <a:pPr/>
-              <a:t>03/10/2022</a:t>
+              <a:t>30/03/2025</a:t>
             </a:fld>
             <a:endParaRPr lang="en-GB"/>
           </a:p>
@@ -2247,7 +2247,7 @@
             <a:fld id="{26EA1CF3-4A15-4CBF-9A5A-6A56C368BE71}" type="datetimeFigureOut">
               <a:rPr lang="en-GB" smtClean="0"/>
               <a:pPr/>
-              <a:t>03/10/2022</a:t>
+              <a:t>30/03/2025</a:t>
             </a:fld>
             <a:endParaRPr lang="en-GB"/>
           </a:p>
@@ -2497,7 +2497,7 @@
             <a:fld id="{26EA1CF3-4A15-4CBF-9A5A-6A56C368BE71}" type="datetimeFigureOut">
               <a:rPr lang="en-GB" smtClean="0"/>
               <a:pPr/>
-              <a:t>03/10/2022</a:t>
+              <a:t>30/03/2025</a:t>
             </a:fld>
             <a:endParaRPr lang="en-GB"/>
           </a:p>
@@ -2710,7 +2710,7 @@
             <a:fld id="{26EA1CF3-4A15-4CBF-9A5A-6A56C368BE71}" type="datetimeFigureOut">
               <a:rPr lang="en-GB" smtClean="0"/>
               <a:pPr/>
-              <a:t>03/10/2022</a:t>
+              <a:t>30/03/2025</a:t>
             </a:fld>
             <a:endParaRPr lang="en-GB"/>
           </a:p>
@@ -3305,7 +3305,7 @@
         </p:nvSpPr>
         <p:spPr>
           <a:xfrm>
-            <a:off x="323528" y="188640"/>
+            <a:off x="251520" y="692696"/>
             <a:ext cx="8640960" cy="6480720"/>
           </a:xfrm>
         </p:spPr>
@@ -3316,7 +3316,7 @@
           <a:lstStyle/>
           <a:p>
             <a:r>
-              <a:rPr lang="en-GB" sz="4400" dirty="0">
+              <a:rPr lang="en-GB" sz="3600" dirty="0">
                 <a:solidFill>
                   <a:schemeClr val="bg1"/>
                 </a:solidFill>
@@ -3326,7 +3326,7 @@
           </a:p>
           <a:p>
             <a:r>
-              <a:rPr lang="en-GB" sz="4400" dirty="0">
+              <a:rPr lang="en-GB" sz="3600" dirty="0">
                 <a:solidFill>
                   <a:schemeClr val="bg1"/>
                 </a:solidFill>
@@ -3336,7 +3336,7 @@
           </a:p>
           <a:p>
             <a:r>
-              <a:rPr lang="en-GB" sz="4400" dirty="0">
+              <a:rPr lang="en-GB" sz="3600" dirty="0">
                 <a:solidFill>
                   <a:schemeClr val="bg1"/>
                 </a:solidFill>
@@ -3346,7 +3346,7 @@
           </a:p>
           <a:p>
             <a:r>
-              <a:rPr lang="en-GB" sz="4400" dirty="0">
+              <a:rPr lang="en-GB" sz="3600" dirty="0">
                 <a:solidFill>
                   <a:schemeClr val="bg1"/>
                 </a:solidFill>
@@ -3356,7 +3356,7 @@
           </a:p>
           <a:p>
             <a:r>
-              <a:rPr lang="en-GB" sz="4400" dirty="0">
+              <a:rPr lang="en-GB" sz="3600" dirty="0">
                 <a:solidFill>
                   <a:schemeClr val="bg1"/>
                 </a:solidFill>
@@ -3366,7 +3366,7 @@
           </a:p>
           <a:p>
             <a:r>
-              <a:rPr lang="en-GB" sz="4400" dirty="0">
+              <a:rPr lang="en-GB" sz="3600" dirty="0">
                 <a:solidFill>
                   <a:schemeClr val="bg1"/>
                 </a:solidFill>
@@ -3376,7 +3376,7 @@
           </a:p>
           <a:p>
             <a:r>
-              <a:rPr lang="en-GB" sz="4400" dirty="0">
+              <a:rPr lang="en-GB" sz="3600" dirty="0">
                 <a:solidFill>
                   <a:schemeClr val="bg1"/>
                 </a:solidFill>
@@ -3386,7 +3386,7 @@
           </a:p>
           <a:p>
             <a:r>
-              <a:rPr lang="en-GB" sz="4400" dirty="0">
+              <a:rPr lang="en-GB" sz="3600" dirty="0">
                 <a:solidFill>
                   <a:schemeClr val="bg1"/>
                 </a:solidFill>
@@ -3471,7 +3471,7 @@
         </p:nvSpPr>
         <p:spPr>
           <a:xfrm>
-            <a:off x="323528" y="188640"/>
+            <a:off x="203118" y="692696"/>
             <a:ext cx="8640960" cy="6480720"/>
           </a:xfrm>
         </p:spPr>
@@ -3482,7 +3482,7 @@
           <a:lstStyle/>
           <a:p>
             <a:r>
-              <a:rPr lang="en-GB" sz="5000" dirty="0">
+              <a:rPr lang="en-GB" sz="3600" dirty="0">
                 <a:solidFill>
                   <a:schemeClr val="bg1"/>
                 </a:solidFill>
@@ -3492,7 +3492,7 @@
           </a:p>
           <a:p>
             <a:r>
-              <a:rPr lang="en-GB" sz="5000" dirty="0">
+              <a:rPr lang="en-GB" sz="3600" dirty="0">
                 <a:solidFill>
                   <a:schemeClr val="bg1"/>
                 </a:solidFill>
@@ -3502,7 +3502,7 @@
           </a:p>
           <a:p>
             <a:r>
-              <a:rPr lang="en-GB" sz="5000" dirty="0">
+              <a:rPr lang="en-GB" sz="3600" dirty="0">
                 <a:solidFill>
                   <a:schemeClr val="bg1"/>
                 </a:solidFill>
@@ -3512,7 +3512,7 @@
           </a:p>
           <a:p>
             <a:r>
-              <a:rPr lang="en-GB" sz="5000" dirty="0">
+              <a:rPr lang="en-GB" sz="3600" dirty="0">
                 <a:solidFill>
                   <a:schemeClr val="bg1"/>
                 </a:solidFill>
@@ -3522,7 +3522,7 @@
           </a:p>
           <a:p>
             <a:r>
-              <a:rPr lang="en-GB" sz="5000" dirty="0">
+              <a:rPr lang="en-GB" sz="3600" dirty="0">
                 <a:solidFill>
                   <a:schemeClr val="bg1"/>
                 </a:solidFill>
@@ -3532,7 +3532,7 @@
           </a:p>
           <a:p>
             <a:r>
-              <a:rPr lang="en-GB" sz="5000" dirty="0">
+              <a:rPr lang="en-GB" sz="3600" dirty="0">
                 <a:solidFill>
                   <a:schemeClr val="bg1"/>
                 </a:solidFill>
@@ -3542,7 +3542,7 @@
           </a:p>
           <a:p>
             <a:r>
-              <a:rPr lang="en-GB" sz="5000" dirty="0">
+              <a:rPr lang="en-GB" sz="3600" dirty="0">
                 <a:solidFill>
                   <a:schemeClr val="bg1"/>
                 </a:solidFill>
@@ -3627,7 +3627,7 @@
         </p:nvSpPr>
         <p:spPr>
           <a:xfrm>
-            <a:off x="323528" y="188640"/>
+            <a:off x="203118" y="764704"/>
             <a:ext cx="8640960" cy="6480720"/>
           </a:xfrm>
         </p:spPr>
@@ -3638,7 +3638,7 @@
           <a:lstStyle/>
           <a:p>
             <a:r>
-              <a:rPr lang="en-GB" sz="5000" dirty="0">
+              <a:rPr lang="en-GB" sz="3600" dirty="0">
                 <a:solidFill>
                   <a:schemeClr val="bg1"/>
                 </a:solidFill>
@@ -3648,7 +3648,7 @@
           </a:p>
           <a:p>
             <a:r>
-              <a:rPr lang="en-GB" sz="5000" dirty="0">
+              <a:rPr lang="en-GB" sz="3600" dirty="0">
                 <a:solidFill>
                   <a:schemeClr val="bg1"/>
                 </a:solidFill>
@@ -3658,7 +3658,7 @@
           </a:p>
           <a:p>
             <a:r>
-              <a:rPr lang="en-GB" sz="5000" dirty="0">
+              <a:rPr lang="en-GB" sz="3600" dirty="0">
                 <a:solidFill>
                   <a:schemeClr val="bg1"/>
                 </a:solidFill>
@@ -3668,7 +3668,7 @@
           </a:p>
           <a:p>
             <a:r>
-              <a:rPr lang="en-GB" sz="5000" dirty="0">
+              <a:rPr lang="en-GB" sz="3600" dirty="0">
                 <a:solidFill>
                   <a:schemeClr val="bg1"/>
                 </a:solidFill>
@@ -3678,7 +3678,7 @@
           </a:p>
           <a:p>
             <a:r>
-              <a:rPr lang="en-GB" sz="5000" dirty="0">
+              <a:rPr lang="en-GB" sz="3600" dirty="0">
                 <a:solidFill>
                   <a:schemeClr val="bg1"/>
                 </a:solidFill>
@@ -3688,7 +3688,7 @@
           </a:p>
           <a:p>
             <a:r>
-              <a:rPr lang="en-GB" sz="5000" dirty="0">
+              <a:rPr lang="en-GB" sz="3600" dirty="0">
                 <a:solidFill>
                   <a:schemeClr val="bg1"/>
                 </a:solidFill>
